--- a/citi_data/BootcampProject2Presentation.pptx
+++ b/citi_data/BootcampProject2Presentation.pptx
@@ -13,8 +13,8 @@
     <p:sldId id="271" r:id="rId7"/>
     <p:sldId id="267" r:id="rId8"/>
     <p:sldId id="272" r:id="rId9"/>
-    <p:sldId id="268" r:id="rId10"/>
-    <p:sldId id="258" r:id="rId11"/>
+    <p:sldId id="258" r:id="rId10"/>
+    <p:sldId id="268" r:id="rId11"/>
     <p:sldId id="259" r:id="rId12"/>
     <p:sldId id="260" r:id="rId13"/>
     <p:sldId id="261" r:id="rId14"/>
@@ -1672,13 +1672,8 @@
           </a:pPr>
           <a:r>
             <a:rPr lang="en-US" sz="1800" dirty="0"/>
-            <a:t>JS/d3/</a:t>
+            <a:t>JS/d3</a:t>
           </a:r>
-          <a:r>
-            <a:rPr lang="en-US" sz="1800" dirty="0" err="1"/>
-            <a:t>Jquery</a:t>
-          </a:r>
-          <a:endParaRPr lang="en-US" sz="1800" dirty="0"/>
         </a:p>
       </dgm:t>
     </dgm:pt>
@@ -3251,13 +3246,8 @@
           </a:pPr>
           <a:r>
             <a:rPr lang="en-US" sz="1800" kern="1200" dirty="0"/>
-            <a:t>JS/d3/</a:t>
+            <a:t>JS/d3</a:t>
           </a:r>
-          <a:r>
-            <a:rPr lang="en-US" sz="1800" kern="1200" dirty="0" err="1"/>
-            <a:t>Jquery</a:t>
-          </a:r>
-          <a:endParaRPr lang="en-US" sz="1800" kern="1200" dirty="0"/>
         </a:p>
       </dsp:txBody>
       <dsp:txXfrm>
@@ -8111,7 +8101,10 @@
     <p:bg>
       <p:bgPr>
         <a:solidFill>
-          <a:schemeClr val="bg1"/>
+          <a:schemeClr val="bg1">
+            <a:tint val="95000"/>
+            <a:satMod val="170000"/>
+          </a:schemeClr>
         </a:solidFill>
         <a:effectLst/>
       </p:bgPr>
@@ -8132,10 +8125,45 @@
       </p:grpSpPr>
       <p:sp>
         <p:nvSpPr>
-          <p:cNvPr id="16" name="Rectangle 15">
-            <a:extLst>
-              <a:ext uri="{FF2B5EF4-FFF2-40B4-BE49-F238E27FC236}">
-                <a16:creationId xmlns:a16="http://schemas.microsoft.com/office/drawing/2014/main" id="{3A5B4632-C963-4296-86F0-79AA9EA5AE98}"/>
+          <p:cNvPr id="2" name="Title 1">
+            <a:extLst>
+              <a:ext uri="{FF2B5EF4-FFF2-40B4-BE49-F238E27FC236}">
+                <a16:creationId xmlns:a16="http://schemas.microsoft.com/office/drawing/2014/main" id="{B6D0CEDF-F3BE-401B-AFEF-B9888F53A829}"/>
+              </a:ext>
+            </a:extLst>
+          </p:cNvPr>
+          <p:cNvSpPr>
+            <a:spLocks noGrp="1"/>
+          </p:cNvSpPr>
+          <p:nvPr>
+            <p:ph type="title"/>
+          </p:nvPr>
+        </p:nvSpPr>
+        <p:spPr>
+          <a:xfrm>
+            <a:off x="804673" y="1445494"/>
+            <a:ext cx="3616856" cy="4376572"/>
+          </a:xfrm>
+        </p:spPr>
+        <p:txBody>
+          <a:bodyPr anchor="ctr">
+            <a:normAutofit/>
+          </a:bodyPr>
+          <a:lstStyle/>
+          <a:p>
+            <a:r>
+              <a:rPr lang="en-US" sz="4800"/>
+              <a:t>KC 311 Data Dashboard</a:t>
+            </a:r>
+          </a:p>
+        </p:txBody>
+      </p:sp>
+      <p:sp>
+        <p:nvSpPr>
+          <p:cNvPr id="8" name="Freeform: Shape 7">
+            <a:extLst>
+              <a:ext uri="{FF2B5EF4-FFF2-40B4-BE49-F238E27FC236}">
+                <a16:creationId xmlns:a16="http://schemas.microsoft.com/office/drawing/2014/main" id="{DFF2AC85-FAA0-4844-813F-83C04D7382E2}"/>
               </a:ext>
               <a:ext uri="{C183D7F6-B498-43B3-948B-1728B52AA6E4}">
                 <adec:decorative xmlns:adec="http://schemas.microsoft.com/office/drawing/2017/decorative" val="1"/>
@@ -8153,25 +8181,82 @@
             </p:extLst>
           </p:nvPr>
         </p:nvSpPr>
-        <p:spPr bwMode="ltGray">
+        <p:spPr>
           <a:xfrm>
-            <a:off x="338328" y="303591"/>
-            <a:ext cx="4335327" cy="5896743"/>
+            <a:off x="4907636" y="0"/>
+            <a:ext cx="7281316" cy="6858000"/>
           </a:xfrm>
-          <a:prstGeom prst="rect">
+          <a:custGeom>
             <a:avLst/>
-          </a:prstGeom>
+            <a:gdLst>
+              <a:gd name="connsiteX0" fmla="*/ 361354 w 7281316"/>
+              <a:gd name="connsiteY0" fmla="*/ 0 h 6858000"/>
+              <a:gd name="connsiteX1" fmla="*/ 7281316 w 7281316"/>
+              <a:gd name="connsiteY1" fmla="*/ 0 h 6858000"/>
+              <a:gd name="connsiteX2" fmla="*/ 7281316 w 7281316"/>
+              <a:gd name="connsiteY2" fmla="*/ 6858000 h 6858000"/>
+              <a:gd name="connsiteX3" fmla="*/ 696735 w 7281316"/>
+              <a:gd name="connsiteY3" fmla="*/ 6858000 h 6858000"/>
+              <a:gd name="connsiteX4" fmla="*/ 690849 w 7281316"/>
+              <a:gd name="connsiteY4" fmla="*/ 6842426 h 6858000"/>
+              <a:gd name="connsiteX5" fmla="*/ 335637 w 7281316"/>
+              <a:gd name="connsiteY5" fmla="*/ 94722 h 6858000"/>
+            </a:gdLst>
+            <a:ahLst/>
+            <a:cxnLst>
+              <a:cxn ang="0">
+                <a:pos x="connsiteX0" y="connsiteY0"/>
+              </a:cxn>
+              <a:cxn ang="0">
+                <a:pos x="connsiteX1" y="connsiteY1"/>
+              </a:cxn>
+              <a:cxn ang="0">
+                <a:pos x="connsiteX2" y="connsiteY2"/>
+              </a:cxn>
+              <a:cxn ang="0">
+                <a:pos x="connsiteX3" y="connsiteY3"/>
+              </a:cxn>
+              <a:cxn ang="0">
+                <a:pos x="connsiteX4" y="connsiteY4"/>
+              </a:cxn>
+              <a:cxn ang="0">
+                <a:pos x="connsiteX5" y="connsiteY5"/>
+              </a:cxn>
+            </a:cxnLst>
+            <a:rect l="l" t="t" r="r" b="b"/>
+            <a:pathLst>
+              <a:path w="7281316" h="6858000">
+                <a:moveTo>
+                  <a:pt x="361354" y="0"/>
+                </a:moveTo>
+                <a:lnTo>
+                  <a:pt x="7281316" y="0"/>
+                </a:lnTo>
+                <a:lnTo>
+                  <a:pt x="7281316" y="6858000"/>
+                </a:lnTo>
+                <a:lnTo>
+                  <a:pt x="696735" y="6858000"/>
+                </a:lnTo>
+                <a:lnTo>
+                  <a:pt x="690849" y="6842426"/>
+                </a:lnTo>
+                <a:cubicBezTo>
+                  <a:pt x="-65870" y="4704140"/>
+                  <a:pt x="-226206" y="2374054"/>
+                  <a:pt x="335637" y="94722"/>
+                </a:cubicBezTo>
+                <a:close/>
+              </a:path>
+            </a:pathLst>
+          </a:custGeom>
           <a:solidFill>
             <a:schemeClr val="tx1">
-              <a:alpha val="15000"/>
+              <a:alpha val="80000"/>
             </a:schemeClr>
           </a:solidFill>
-          <a:ln w="127000" cap="sq" cmpd="thinThick">
-            <a:solidFill>
-              <a:schemeClr val="tx1">
-                <a:alpha val="10000"/>
-              </a:schemeClr>
-            </a:solidFill>
+          <a:ln>
+            <a:noFill/>
           </a:ln>
         </p:spPr>
         <p:style>
@@ -8201,10 +8286,136 @@
       </p:sp>
       <p:sp>
         <p:nvSpPr>
-          <p:cNvPr id="2" name="Title 1">
-            <a:extLst>
-              <a:ext uri="{FF2B5EF4-FFF2-40B4-BE49-F238E27FC236}">
-                <a16:creationId xmlns:a16="http://schemas.microsoft.com/office/drawing/2014/main" id="{EFDD0172-77F0-406B-A3D2-4766DB2E7DA2}"/>
+          <p:cNvPr id="10" name="Freeform: Shape 9">
+            <a:extLst>
+              <a:ext uri="{FF2B5EF4-FFF2-40B4-BE49-F238E27FC236}">
+                <a16:creationId xmlns:a16="http://schemas.microsoft.com/office/drawing/2014/main" id="{89CC0F1E-BAA2-47B1-8F83-7ECB9FD9E009}"/>
+              </a:ext>
+              <a:ext uri="{C183D7F6-B498-43B3-948B-1728B52AA6E4}">
+                <adec:decorative xmlns:adec="http://schemas.microsoft.com/office/drawing/2017/decorative" val="1"/>
+              </a:ext>
+            </a:extLst>
+          </p:cNvPr>
+          <p:cNvSpPr>
+            <a:spLocks noGrp="1" noRot="1" noChangeAspect="1" noMove="1" noResize="1" noEditPoints="1" noAdjustHandles="1" noChangeArrowheads="1" noChangeShapeType="1" noTextEdit="1"/>
+          </p:cNvSpPr>
+          <p:nvPr>
+            <p:extLst>
+              <p:ext uri="{386F3935-93C4-4BCD-93E2-E3B085C9AB24}">
+                <p16:designElem xmlns:p16="http://schemas.microsoft.com/office/powerpoint/2015/main" val="1"/>
+              </p:ext>
+            </p:extLst>
+          </p:nvPr>
+        </p:nvSpPr>
+        <p:spPr>
+          <a:xfrm>
+            <a:off x="5189558" y="0"/>
+            <a:ext cx="6999394" cy="6858000"/>
+          </a:xfrm>
+          <a:custGeom>
+            <a:avLst/>
+            <a:gdLst>
+              <a:gd name="connsiteX0" fmla="*/ 6999394 w 6999394"/>
+              <a:gd name="connsiteY0" fmla="*/ 0 h 6858000"/>
+              <a:gd name="connsiteX1" fmla="*/ 6999394 w 6999394"/>
+              <a:gd name="connsiteY1" fmla="*/ 6858000 h 6858000"/>
+              <a:gd name="connsiteX2" fmla="*/ 717029 w 6999394"/>
+              <a:gd name="connsiteY2" fmla="*/ 6858000 h 6858000"/>
+              <a:gd name="connsiteX3" fmla="*/ 623642 w 6999394"/>
+              <a:gd name="connsiteY3" fmla="*/ 6599363 h 6858000"/>
+              <a:gd name="connsiteX4" fmla="*/ 319533 w 6999394"/>
+              <a:gd name="connsiteY4" fmla="*/ 193787 h 6858000"/>
+              <a:gd name="connsiteX5" fmla="*/ 371685 w 6999394"/>
+              <a:gd name="connsiteY5" fmla="*/ 1 h 6858000"/>
+            </a:gdLst>
+            <a:ahLst/>
+            <a:cxnLst>
+              <a:cxn ang="0">
+                <a:pos x="connsiteX0" y="connsiteY0"/>
+              </a:cxn>
+              <a:cxn ang="0">
+                <a:pos x="connsiteX1" y="connsiteY1"/>
+              </a:cxn>
+              <a:cxn ang="0">
+                <a:pos x="connsiteX2" y="connsiteY2"/>
+              </a:cxn>
+              <a:cxn ang="0">
+                <a:pos x="connsiteX3" y="connsiteY3"/>
+              </a:cxn>
+              <a:cxn ang="0">
+                <a:pos x="connsiteX4" y="connsiteY4"/>
+              </a:cxn>
+              <a:cxn ang="0">
+                <a:pos x="connsiteX5" y="connsiteY5"/>
+              </a:cxn>
+            </a:cxnLst>
+            <a:rect l="l" t="t" r="r" b="b"/>
+            <a:pathLst>
+              <a:path w="6999394" h="6858000">
+                <a:moveTo>
+                  <a:pt x="6999394" y="0"/>
+                </a:moveTo>
+                <a:lnTo>
+                  <a:pt x="6999394" y="6858000"/>
+                </a:lnTo>
+                <a:lnTo>
+                  <a:pt x="717029" y="6858000"/>
+                </a:lnTo>
+                <a:lnTo>
+                  <a:pt x="623642" y="6599363"/>
+                </a:lnTo>
+                <a:cubicBezTo>
+                  <a:pt x="-67685" y="4563346"/>
+                  <a:pt x="-206622" y="2355719"/>
+                  <a:pt x="319533" y="193787"/>
+                </a:cubicBezTo>
+                <a:lnTo>
+                  <a:pt x="371685" y="1"/>
+                </a:lnTo>
+                <a:close/>
+              </a:path>
+            </a:pathLst>
+          </a:custGeom>
+          <a:solidFill>
+            <a:schemeClr val="tx1">
+              <a:alpha val="80000"/>
+            </a:schemeClr>
+          </a:solidFill>
+          <a:ln>
+            <a:noFill/>
+          </a:ln>
+        </p:spPr>
+        <p:style>
+          <a:lnRef idx="2">
+            <a:schemeClr val="accent1">
+              <a:shade val="50000"/>
+            </a:schemeClr>
+          </a:lnRef>
+          <a:fillRef idx="1">
+            <a:schemeClr val="accent1"/>
+          </a:fillRef>
+          <a:effectRef idx="0">
+            <a:schemeClr val="accent1"/>
+          </a:effectRef>
+          <a:fontRef idx="minor">
+            <a:schemeClr val="lt1"/>
+          </a:fontRef>
+        </p:style>
+        <p:txBody>
+          <a:bodyPr rtlCol="0" anchor="ctr"/>
+          <a:lstStyle/>
+          <a:p>
+            <a:pPr algn="ctr"/>
+            <a:endParaRPr lang="en-US"/>
+          </a:p>
+        </p:txBody>
+      </p:sp>
+      <p:sp>
+        <p:nvSpPr>
+          <p:cNvPr id="3" name="Content Placeholder 2">
+            <a:extLst>
+              <a:ext uri="{FF2B5EF4-FFF2-40B4-BE49-F238E27FC236}">
+                <a16:creationId xmlns:a16="http://schemas.microsoft.com/office/drawing/2014/main" id="{68E9F1E9-AF9F-4048-8FFC-1C65AB9FC01B}"/>
               </a:ext>
             </a:extLst>
           </p:cNvPr>
@@ -8212,65 +8423,45 @@
             <a:spLocks noGrp="1"/>
           </p:cNvSpPr>
           <p:nvPr>
-            <p:ph type="title"/>
+            <p:ph idx="1"/>
           </p:nvPr>
         </p:nvSpPr>
         <p:spPr>
           <a:xfrm>
-            <a:off x="594360" y="637125"/>
-            <a:ext cx="3802276" cy="5256371"/>
+            <a:off x="6096000" y="1399032"/>
+            <a:ext cx="5501834" cy="4471416"/>
           </a:xfrm>
         </p:spPr>
         <p:txBody>
-          <a:bodyPr>
+          <a:bodyPr anchor="ctr">
             <a:normAutofit/>
           </a:bodyPr>
           <a:lstStyle/>
           <a:p>
+            <a:endParaRPr lang="en-US" sz="2200">
+              <a:solidFill>
+                <a:schemeClr val="bg1"/>
+              </a:solidFill>
+            </a:endParaRPr>
+          </a:p>
+          <a:p>
             <a:r>
-              <a:rPr lang="en-US" sz="4800" dirty="0"/>
-              <a:t>Our Approach</a:t>
+              <a:rPr lang="en-US" sz="2200">
+                <a:solidFill>
+                  <a:schemeClr val="bg1"/>
+                </a:solidFill>
+              </a:rPr>
+              <a:t>INSERT SCREEN SHOT</a:t>
             </a:r>
           </a:p>
         </p:txBody>
       </p:sp>
-      <p:graphicFrame>
-        <p:nvGraphicFramePr>
-          <p:cNvPr id="11" name="Content Placeholder 10">
-            <a:extLst>
-              <a:ext uri="{FF2B5EF4-FFF2-40B4-BE49-F238E27FC236}">
-                <a16:creationId xmlns:a16="http://schemas.microsoft.com/office/drawing/2014/main" id="{EBDB6C5D-C31C-40CD-A0EA-183829E47F9B}"/>
-              </a:ext>
-            </a:extLst>
-          </p:cNvPr>
-          <p:cNvGraphicFramePr>
-            <a:graphicFrameLocks noGrp="1"/>
-          </p:cNvGraphicFramePr>
-          <p:nvPr>
-            <p:ph idx="1"/>
-            <p:extLst>
-              <p:ext uri="{D42A27DB-BD31-4B8C-83A1-F6EECF244321}">
-                <p14:modId xmlns:p14="http://schemas.microsoft.com/office/powerpoint/2010/main" val="623034739"/>
-              </p:ext>
-            </p:extLst>
-          </p:nvPr>
-        </p:nvGraphicFramePr>
-        <p:xfrm>
-          <a:off x="5166985" y="303591"/>
-          <a:ext cx="6588691" cy="5896743"/>
-        </p:xfrm>
-        <a:graphic>
-          <a:graphicData uri="http://schemas.openxmlformats.org/drawingml/2006/diagram">
-            <dgm:relIds xmlns:dgm="http://schemas.openxmlformats.org/drawingml/2006/diagram" xmlns:r="http://schemas.openxmlformats.org/officeDocument/2006/relationships" r:dm="rId2" r:lo="rId3" r:qs="rId4" r:cs="rId5"/>
-          </a:graphicData>
-        </a:graphic>
-      </p:graphicFrame>
       <p:sp>
         <p:nvSpPr>
-          <p:cNvPr id="21" name="TextBox 20">
-            <a:extLst>
-              <a:ext uri="{FF2B5EF4-FFF2-40B4-BE49-F238E27FC236}">
-                <a16:creationId xmlns:a16="http://schemas.microsoft.com/office/drawing/2014/main" id="{87C02A60-9E70-4C44-AB05-A43AB9FEB356}"/>
+          <p:cNvPr id="6" name="TextBox 5">
+            <a:extLst>
+              <a:ext uri="{FF2B5EF4-FFF2-40B4-BE49-F238E27FC236}">
+                <a16:creationId xmlns:a16="http://schemas.microsoft.com/office/drawing/2014/main" id="{92FCFD00-4246-463C-95D2-5E02E0374FBD}"/>
               </a:ext>
             </a:extLst>
           </p:cNvPr>
@@ -8294,22 +8485,58 @@
           <a:lstStyle/>
           <a:p>
             <a:r>
-              <a:rPr lang="en-US" dirty="0" err="1"/>
+              <a:rPr lang="en-US"/>
               <a:t>Sasmita</a:t>
             </a:r>
             <a:endParaRPr lang="en-US" dirty="0"/>
           </a:p>
         </p:txBody>
       </p:sp>
+      <p:pic>
+        <p:nvPicPr>
+          <p:cNvPr id="11" name="Content Placeholder 8" descr="A screenshot of a cell phone&#10;&#10;Description automatically generated">
+            <a:extLst>
+              <a:ext uri="{FF2B5EF4-FFF2-40B4-BE49-F238E27FC236}">
+                <a16:creationId xmlns:a16="http://schemas.microsoft.com/office/drawing/2014/main" id="{5E384211-441B-40CD-879A-9E5CC6F00F26}"/>
+              </a:ext>
+            </a:extLst>
+          </p:cNvPr>
+          <p:cNvPicPr>
+            <a:picLocks noChangeAspect="1"/>
+          </p:cNvPicPr>
+          <p:nvPr/>
+        </p:nvPicPr>
+        <p:blipFill>
+          <a:blip r:embed="rId2">
+            <a:extLst>
+              <a:ext uri="{28A0092B-C50C-407E-A947-70E740481C1C}">
+                <a14:useLocalDpi xmlns:a14="http://schemas.microsoft.com/office/drawing/2010/main" val="0"/>
+              </a:ext>
+            </a:extLst>
+          </a:blip>
+          <a:stretch>
+            <a:fillRect/>
+          </a:stretch>
+        </p:blipFill>
+        <p:spPr>
+          <a:xfrm>
+            <a:off x="5524597" y="2175620"/>
+            <a:ext cx="6434495" cy="2916319"/>
+          </a:xfrm>
+          <a:prstGeom prst="rect">
+            <a:avLst/>
+          </a:prstGeom>
+        </p:spPr>
+      </p:pic>
     </p:spTree>
     <p:extLst>
       <p:ext uri="{BB962C8B-B14F-4D97-AF65-F5344CB8AC3E}">
-        <p14:creationId xmlns:p14="http://schemas.microsoft.com/office/powerpoint/2010/main" val="738092125"/>
+        <p14:creationId xmlns:p14="http://schemas.microsoft.com/office/powerpoint/2010/main" val="1859442274"/>
       </p:ext>
     </p:extLst>
   </p:cSld>
   <p:clrMapOvr>
-    <a:masterClrMapping/>
+    <a:overrideClrMapping bg1="dk1" tx1="lt1" bg2="dk2" tx2="lt2" accent1="accent1" accent2="accent2" accent3="accent3" accent4="accent4" accent5="accent5" accent6="accent6" hlink="hlink" folHlink="folHlink"/>
   </p:clrMapOvr>
 </p:sld>
 </file>
@@ -14397,10 +14624,7 @@
     <p:bg>
       <p:bgPr>
         <a:solidFill>
-          <a:schemeClr val="bg1">
-            <a:tint val="95000"/>
-            <a:satMod val="170000"/>
-          </a:schemeClr>
+          <a:schemeClr val="bg1"/>
         </a:solidFill>
         <a:effectLst/>
       </p:bgPr>
@@ -14421,45 +14645,10 @@
       </p:grpSpPr>
       <p:sp>
         <p:nvSpPr>
-          <p:cNvPr id="2" name="Title 1">
-            <a:extLst>
-              <a:ext uri="{FF2B5EF4-FFF2-40B4-BE49-F238E27FC236}">
-                <a16:creationId xmlns:a16="http://schemas.microsoft.com/office/drawing/2014/main" id="{B6D0CEDF-F3BE-401B-AFEF-B9888F53A829}"/>
-              </a:ext>
-            </a:extLst>
-          </p:cNvPr>
-          <p:cNvSpPr>
-            <a:spLocks noGrp="1"/>
-          </p:cNvSpPr>
-          <p:nvPr>
-            <p:ph type="title"/>
-          </p:nvPr>
-        </p:nvSpPr>
-        <p:spPr>
-          <a:xfrm>
-            <a:off x="804673" y="1445494"/>
-            <a:ext cx="3616856" cy="4376572"/>
-          </a:xfrm>
-        </p:spPr>
-        <p:txBody>
-          <a:bodyPr anchor="ctr">
-            <a:normAutofit/>
-          </a:bodyPr>
-          <a:lstStyle/>
-          <a:p>
-            <a:r>
-              <a:rPr lang="en-US" sz="4800"/>
-              <a:t>KC 311 Data Dashboard</a:t>
-            </a:r>
-          </a:p>
-        </p:txBody>
-      </p:sp>
-      <p:sp>
-        <p:nvSpPr>
-          <p:cNvPr id="8" name="Freeform: Shape 7">
-            <a:extLst>
-              <a:ext uri="{FF2B5EF4-FFF2-40B4-BE49-F238E27FC236}">
-                <a16:creationId xmlns:a16="http://schemas.microsoft.com/office/drawing/2014/main" id="{DFF2AC85-FAA0-4844-813F-83C04D7382E2}"/>
+          <p:cNvPr id="16" name="Rectangle 15">
+            <a:extLst>
+              <a:ext uri="{FF2B5EF4-FFF2-40B4-BE49-F238E27FC236}">
+                <a16:creationId xmlns:a16="http://schemas.microsoft.com/office/drawing/2014/main" id="{3A5B4632-C963-4296-86F0-79AA9EA5AE98}"/>
               </a:ext>
               <a:ext uri="{C183D7F6-B498-43B3-948B-1728B52AA6E4}">
                 <adec:decorative xmlns:adec="http://schemas.microsoft.com/office/drawing/2017/decorative" val="1"/>
@@ -14477,82 +14666,25 @@
             </p:extLst>
           </p:nvPr>
         </p:nvSpPr>
-        <p:spPr>
+        <p:spPr bwMode="ltGray">
           <a:xfrm>
-            <a:off x="4907636" y="0"/>
-            <a:ext cx="7281316" cy="6858000"/>
+            <a:off x="338328" y="303591"/>
+            <a:ext cx="4335327" cy="5896743"/>
           </a:xfrm>
-          <a:custGeom>
+          <a:prstGeom prst="rect">
             <a:avLst/>
-            <a:gdLst>
-              <a:gd name="connsiteX0" fmla="*/ 361354 w 7281316"/>
-              <a:gd name="connsiteY0" fmla="*/ 0 h 6858000"/>
-              <a:gd name="connsiteX1" fmla="*/ 7281316 w 7281316"/>
-              <a:gd name="connsiteY1" fmla="*/ 0 h 6858000"/>
-              <a:gd name="connsiteX2" fmla="*/ 7281316 w 7281316"/>
-              <a:gd name="connsiteY2" fmla="*/ 6858000 h 6858000"/>
-              <a:gd name="connsiteX3" fmla="*/ 696735 w 7281316"/>
-              <a:gd name="connsiteY3" fmla="*/ 6858000 h 6858000"/>
-              <a:gd name="connsiteX4" fmla="*/ 690849 w 7281316"/>
-              <a:gd name="connsiteY4" fmla="*/ 6842426 h 6858000"/>
-              <a:gd name="connsiteX5" fmla="*/ 335637 w 7281316"/>
-              <a:gd name="connsiteY5" fmla="*/ 94722 h 6858000"/>
-            </a:gdLst>
-            <a:ahLst/>
-            <a:cxnLst>
-              <a:cxn ang="0">
-                <a:pos x="connsiteX0" y="connsiteY0"/>
-              </a:cxn>
-              <a:cxn ang="0">
-                <a:pos x="connsiteX1" y="connsiteY1"/>
-              </a:cxn>
-              <a:cxn ang="0">
-                <a:pos x="connsiteX2" y="connsiteY2"/>
-              </a:cxn>
-              <a:cxn ang="0">
-                <a:pos x="connsiteX3" y="connsiteY3"/>
-              </a:cxn>
-              <a:cxn ang="0">
-                <a:pos x="connsiteX4" y="connsiteY4"/>
-              </a:cxn>
-              <a:cxn ang="0">
-                <a:pos x="connsiteX5" y="connsiteY5"/>
-              </a:cxn>
-            </a:cxnLst>
-            <a:rect l="l" t="t" r="r" b="b"/>
-            <a:pathLst>
-              <a:path w="7281316" h="6858000">
-                <a:moveTo>
-                  <a:pt x="361354" y="0"/>
-                </a:moveTo>
-                <a:lnTo>
-                  <a:pt x="7281316" y="0"/>
-                </a:lnTo>
-                <a:lnTo>
-                  <a:pt x="7281316" y="6858000"/>
-                </a:lnTo>
-                <a:lnTo>
-                  <a:pt x="696735" y="6858000"/>
-                </a:lnTo>
-                <a:lnTo>
-                  <a:pt x="690849" y="6842426"/>
-                </a:lnTo>
-                <a:cubicBezTo>
-                  <a:pt x="-65870" y="4704140"/>
-                  <a:pt x="-226206" y="2374054"/>
-                  <a:pt x="335637" y="94722"/>
-                </a:cubicBezTo>
-                <a:close/>
-              </a:path>
-            </a:pathLst>
-          </a:custGeom>
+          </a:prstGeom>
           <a:solidFill>
             <a:schemeClr val="tx1">
-              <a:alpha val="80000"/>
+              <a:alpha val="15000"/>
             </a:schemeClr>
           </a:solidFill>
-          <a:ln>
-            <a:noFill/>
+          <a:ln w="127000" cap="sq" cmpd="thinThick">
+            <a:solidFill>
+              <a:schemeClr val="tx1">
+                <a:alpha val="10000"/>
+              </a:schemeClr>
+            </a:solidFill>
           </a:ln>
         </p:spPr>
         <p:style>
@@ -14582,182 +14714,76 @@
       </p:sp>
       <p:sp>
         <p:nvSpPr>
-          <p:cNvPr id="10" name="Freeform: Shape 9">
-            <a:extLst>
-              <a:ext uri="{FF2B5EF4-FFF2-40B4-BE49-F238E27FC236}">
-                <a16:creationId xmlns:a16="http://schemas.microsoft.com/office/drawing/2014/main" id="{89CC0F1E-BAA2-47B1-8F83-7ECB9FD9E009}"/>
-              </a:ext>
-              <a:ext uri="{C183D7F6-B498-43B3-948B-1728B52AA6E4}">
-                <adec:decorative xmlns:adec="http://schemas.microsoft.com/office/drawing/2017/decorative" val="1"/>
+          <p:cNvPr id="2" name="Title 1">
+            <a:extLst>
+              <a:ext uri="{FF2B5EF4-FFF2-40B4-BE49-F238E27FC236}">
+                <a16:creationId xmlns:a16="http://schemas.microsoft.com/office/drawing/2014/main" id="{EFDD0172-77F0-406B-A3D2-4766DB2E7DA2}"/>
               </a:ext>
             </a:extLst>
           </p:cNvPr>
           <p:cNvSpPr>
-            <a:spLocks noGrp="1" noRot="1" noChangeAspect="1" noMove="1" noResize="1" noEditPoints="1" noAdjustHandles="1" noChangeArrowheads="1" noChangeShapeType="1" noTextEdit="1"/>
+            <a:spLocks noGrp="1"/>
           </p:cNvSpPr>
           <p:nvPr>
-            <p:extLst>
-              <p:ext uri="{386F3935-93C4-4BCD-93E2-E3B085C9AB24}">
-                <p16:designElem xmlns:p16="http://schemas.microsoft.com/office/powerpoint/2015/main" val="1"/>
-              </p:ext>
-            </p:extLst>
+            <p:ph type="title"/>
           </p:nvPr>
         </p:nvSpPr>
         <p:spPr>
           <a:xfrm>
-            <a:off x="5189558" y="0"/>
-            <a:ext cx="6999394" cy="6858000"/>
-          </a:xfrm>
-          <a:custGeom>
-            <a:avLst/>
-            <a:gdLst>
-              <a:gd name="connsiteX0" fmla="*/ 6999394 w 6999394"/>
-              <a:gd name="connsiteY0" fmla="*/ 0 h 6858000"/>
-              <a:gd name="connsiteX1" fmla="*/ 6999394 w 6999394"/>
-              <a:gd name="connsiteY1" fmla="*/ 6858000 h 6858000"/>
-              <a:gd name="connsiteX2" fmla="*/ 717029 w 6999394"/>
-              <a:gd name="connsiteY2" fmla="*/ 6858000 h 6858000"/>
-              <a:gd name="connsiteX3" fmla="*/ 623642 w 6999394"/>
-              <a:gd name="connsiteY3" fmla="*/ 6599363 h 6858000"/>
-              <a:gd name="connsiteX4" fmla="*/ 319533 w 6999394"/>
-              <a:gd name="connsiteY4" fmla="*/ 193787 h 6858000"/>
-              <a:gd name="connsiteX5" fmla="*/ 371685 w 6999394"/>
-              <a:gd name="connsiteY5" fmla="*/ 1 h 6858000"/>
-            </a:gdLst>
-            <a:ahLst/>
-            <a:cxnLst>
-              <a:cxn ang="0">
-                <a:pos x="connsiteX0" y="connsiteY0"/>
-              </a:cxn>
-              <a:cxn ang="0">
-                <a:pos x="connsiteX1" y="connsiteY1"/>
-              </a:cxn>
-              <a:cxn ang="0">
-                <a:pos x="connsiteX2" y="connsiteY2"/>
-              </a:cxn>
-              <a:cxn ang="0">
-                <a:pos x="connsiteX3" y="connsiteY3"/>
-              </a:cxn>
-              <a:cxn ang="0">
-                <a:pos x="connsiteX4" y="connsiteY4"/>
-              </a:cxn>
-              <a:cxn ang="0">
-                <a:pos x="connsiteX5" y="connsiteY5"/>
-              </a:cxn>
-            </a:cxnLst>
-            <a:rect l="l" t="t" r="r" b="b"/>
-            <a:pathLst>
-              <a:path w="6999394" h="6858000">
-                <a:moveTo>
-                  <a:pt x="6999394" y="0"/>
-                </a:moveTo>
-                <a:lnTo>
-                  <a:pt x="6999394" y="6858000"/>
-                </a:lnTo>
-                <a:lnTo>
-                  <a:pt x="717029" y="6858000"/>
-                </a:lnTo>
-                <a:lnTo>
-                  <a:pt x="623642" y="6599363"/>
-                </a:lnTo>
-                <a:cubicBezTo>
-                  <a:pt x="-67685" y="4563346"/>
-                  <a:pt x="-206622" y="2355719"/>
-                  <a:pt x="319533" y="193787"/>
-                </a:cubicBezTo>
-                <a:lnTo>
-                  <a:pt x="371685" y="1"/>
-                </a:lnTo>
-                <a:close/>
-              </a:path>
-            </a:pathLst>
-          </a:custGeom>
-          <a:solidFill>
-            <a:schemeClr val="tx1">
-              <a:alpha val="80000"/>
-            </a:schemeClr>
-          </a:solidFill>
-          <a:ln>
-            <a:noFill/>
-          </a:ln>
-        </p:spPr>
-        <p:style>
-          <a:lnRef idx="2">
-            <a:schemeClr val="accent1">
-              <a:shade val="50000"/>
-            </a:schemeClr>
-          </a:lnRef>
-          <a:fillRef idx="1">
-            <a:schemeClr val="accent1"/>
-          </a:fillRef>
-          <a:effectRef idx="0">
-            <a:schemeClr val="accent1"/>
-          </a:effectRef>
-          <a:fontRef idx="minor">
-            <a:schemeClr val="lt1"/>
-          </a:fontRef>
-        </p:style>
-        <p:txBody>
-          <a:bodyPr rtlCol="0" anchor="ctr"/>
-          <a:lstStyle/>
-          <a:p>
-            <a:pPr algn="ctr"/>
-            <a:endParaRPr lang="en-US"/>
-          </a:p>
-        </p:txBody>
-      </p:sp>
-      <p:sp>
-        <p:nvSpPr>
-          <p:cNvPr id="3" name="Content Placeholder 2">
-            <a:extLst>
-              <a:ext uri="{FF2B5EF4-FFF2-40B4-BE49-F238E27FC236}">
-                <a16:creationId xmlns:a16="http://schemas.microsoft.com/office/drawing/2014/main" id="{68E9F1E9-AF9F-4048-8FFC-1C65AB9FC01B}"/>
-              </a:ext>
-            </a:extLst>
-          </p:cNvPr>
-          <p:cNvSpPr>
-            <a:spLocks noGrp="1"/>
-          </p:cNvSpPr>
-          <p:nvPr>
-            <p:ph idx="1"/>
-          </p:nvPr>
-        </p:nvSpPr>
-        <p:spPr>
-          <a:xfrm>
-            <a:off x="6096000" y="1399032"/>
-            <a:ext cx="5501834" cy="4471416"/>
+            <a:off x="594360" y="637125"/>
+            <a:ext cx="3802276" cy="5256371"/>
           </a:xfrm>
         </p:spPr>
         <p:txBody>
-          <a:bodyPr anchor="ctr">
+          <a:bodyPr>
             <a:normAutofit/>
           </a:bodyPr>
           <a:lstStyle/>
           <a:p>
-            <a:endParaRPr lang="en-US" sz="2200">
-              <a:solidFill>
-                <a:schemeClr val="bg1"/>
-              </a:solidFill>
-            </a:endParaRPr>
-          </a:p>
-          <a:p>
             <a:r>
-              <a:rPr lang="en-US" sz="2200">
-                <a:solidFill>
-                  <a:schemeClr val="bg1"/>
-                </a:solidFill>
-              </a:rPr>
-              <a:t>INSERT SCREEN SHOT</a:t>
+              <a:rPr lang="en-US" sz="4800" dirty="0"/>
+              <a:t>Our Approach</a:t>
             </a:r>
           </a:p>
         </p:txBody>
       </p:sp>
+      <p:graphicFrame>
+        <p:nvGraphicFramePr>
+          <p:cNvPr id="11" name="Content Placeholder 10">
+            <a:extLst>
+              <a:ext uri="{FF2B5EF4-FFF2-40B4-BE49-F238E27FC236}">
+                <a16:creationId xmlns:a16="http://schemas.microsoft.com/office/drawing/2014/main" id="{EBDB6C5D-C31C-40CD-A0EA-183829E47F9B}"/>
+              </a:ext>
+            </a:extLst>
+          </p:cNvPr>
+          <p:cNvGraphicFramePr>
+            <a:graphicFrameLocks noGrp="1"/>
+          </p:cNvGraphicFramePr>
+          <p:nvPr>
+            <p:ph idx="1"/>
+            <p:extLst>
+              <p:ext uri="{D42A27DB-BD31-4B8C-83A1-F6EECF244321}">
+                <p14:modId xmlns:p14="http://schemas.microsoft.com/office/powerpoint/2010/main" val="13646163"/>
+              </p:ext>
+            </p:extLst>
+          </p:nvPr>
+        </p:nvGraphicFramePr>
+        <p:xfrm>
+          <a:off x="5166985" y="303591"/>
+          <a:ext cx="6588691" cy="5896743"/>
+        </p:xfrm>
+        <a:graphic>
+          <a:graphicData uri="http://schemas.openxmlformats.org/drawingml/2006/diagram">
+            <dgm:relIds xmlns:dgm="http://schemas.openxmlformats.org/drawingml/2006/diagram" xmlns:r="http://schemas.openxmlformats.org/officeDocument/2006/relationships" r:dm="rId2" r:lo="rId3" r:qs="rId4" r:cs="rId5"/>
+          </a:graphicData>
+        </a:graphic>
+      </p:graphicFrame>
       <p:sp>
         <p:nvSpPr>
-          <p:cNvPr id="6" name="TextBox 5">
-            <a:extLst>
-              <a:ext uri="{FF2B5EF4-FFF2-40B4-BE49-F238E27FC236}">
-                <a16:creationId xmlns:a16="http://schemas.microsoft.com/office/drawing/2014/main" id="{92FCFD00-4246-463C-95D2-5E02E0374FBD}"/>
+          <p:cNvPr id="21" name="TextBox 20">
+            <a:extLst>
+              <a:ext uri="{FF2B5EF4-FFF2-40B4-BE49-F238E27FC236}">
+                <a16:creationId xmlns:a16="http://schemas.microsoft.com/office/drawing/2014/main" id="{87C02A60-9E70-4C44-AB05-A43AB9FEB356}"/>
               </a:ext>
             </a:extLst>
           </p:cNvPr>
@@ -14781,58 +14807,22 @@
           <a:lstStyle/>
           <a:p>
             <a:r>
-              <a:rPr lang="en-US"/>
+              <a:rPr lang="en-US" dirty="0" err="1"/>
               <a:t>Sasmita</a:t>
             </a:r>
             <a:endParaRPr lang="en-US" dirty="0"/>
           </a:p>
         </p:txBody>
       </p:sp>
-      <p:pic>
-        <p:nvPicPr>
-          <p:cNvPr id="11" name="Content Placeholder 8" descr="A screenshot of a cell phone&#10;&#10;Description automatically generated">
-            <a:extLst>
-              <a:ext uri="{FF2B5EF4-FFF2-40B4-BE49-F238E27FC236}">
-                <a16:creationId xmlns:a16="http://schemas.microsoft.com/office/drawing/2014/main" id="{5E384211-441B-40CD-879A-9E5CC6F00F26}"/>
-              </a:ext>
-            </a:extLst>
-          </p:cNvPr>
-          <p:cNvPicPr>
-            <a:picLocks noChangeAspect="1"/>
-          </p:cNvPicPr>
-          <p:nvPr/>
-        </p:nvPicPr>
-        <p:blipFill>
-          <a:blip r:embed="rId2">
-            <a:extLst>
-              <a:ext uri="{28A0092B-C50C-407E-A947-70E740481C1C}">
-                <a14:useLocalDpi xmlns:a14="http://schemas.microsoft.com/office/drawing/2010/main" val="0"/>
-              </a:ext>
-            </a:extLst>
-          </a:blip>
-          <a:stretch>
-            <a:fillRect/>
-          </a:stretch>
-        </p:blipFill>
-        <p:spPr>
-          <a:xfrm>
-            <a:off x="5524597" y="2175620"/>
-            <a:ext cx="6434495" cy="2916319"/>
-          </a:xfrm>
-          <a:prstGeom prst="rect">
-            <a:avLst/>
-          </a:prstGeom>
-        </p:spPr>
-      </p:pic>
     </p:spTree>
     <p:extLst>
       <p:ext uri="{BB962C8B-B14F-4D97-AF65-F5344CB8AC3E}">
-        <p14:creationId xmlns:p14="http://schemas.microsoft.com/office/powerpoint/2010/main" val="1859442274"/>
+        <p14:creationId xmlns:p14="http://schemas.microsoft.com/office/powerpoint/2010/main" val="738092125"/>
       </p:ext>
     </p:extLst>
   </p:cSld>
   <p:clrMapOvr>
-    <a:overrideClrMapping bg1="dk1" tx1="lt1" bg2="dk2" tx2="lt2" accent1="accent1" accent2="accent2" accent3="accent3" accent4="accent4" accent5="accent5" accent6="accent6" hlink="hlink" folHlink="folHlink"/>
+    <a:masterClrMapping/>
   </p:clrMapOvr>
 </p:sld>
 </file>
